--- a/ppt 16-9/1110.风雨的岁月.pptx
+++ b/ppt 16-9/1110.风雨的岁月.pptx
@@ -5,7 +5,7 @@
     <p:sldMasterId id="2147483648" r:id="rId1"/>
   </p:sldMasterIdLst>
   <p:sldIdLst>
-    <p:sldId id="582" r:id="rId2"/>
+    <p:sldId id="584" r:id="rId2"/>
   </p:sldIdLst>
   <p:sldSz cx="12192000" cy="6858000"/>
   <p:notesSz cx="6858000" cy="9144000"/>
@@ -129,7 +129,7 @@
           <p:cNvPr id="2" name="标题 1">
             <a:extLst>
               <a:ext uri="{FF2B5EF4-FFF2-40B4-BE49-F238E27FC236}">
-                <a16:creationId xmlns:a16="http://schemas.microsoft.com/office/drawing/2014/main" id="{C0795799-CCF5-F5E3-20B4-E8EA588CB343}"/>
+                <a16:creationId xmlns:a16="http://schemas.microsoft.com/office/drawing/2014/main" id="{4BE2A5AB-CB39-B013-D693-09AE3054D05A}"/>
               </a:ext>
             </a:extLst>
           </p:cNvPr>
@@ -166,7 +166,7 @@
           <p:cNvPr id="3" name="副标题 2">
             <a:extLst>
               <a:ext uri="{FF2B5EF4-FFF2-40B4-BE49-F238E27FC236}">
-                <a16:creationId xmlns:a16="http://schemas.microsoft.com/office/drawing/2014/main" id="{ECA5C0D0-93DD-51C9-2EA6-EE384CE2AA17}"/>
+                <a16:creationId xmlns:a16="http://schemas.microsoft.com/office/drawing/2014/main" id="{8D4547AC-B855-0868-5699-BC210370B102}"/>
               </a:ext>
             </a:extLst>
           </p:cNvPr>
@@ -236,7 +236,7 @@
           <p:cNvPr id="4" name="日期占位符 3">
             <a:extLst>
               <a:ext uri="{FF2B5EF4-FFF2-40B4-BE49-F238E27FC236}">
-                <a16:creationId xmlns:a16="http://schemas.microsoft.com/office/drawing/2014/main" id="{B923E3AD-8710-96FD-FB19-B00828C39E16}"/>
+                <a16:creationId xmlns:a16="http://schemas.microsoft.com/office/drawing/2014/main" id="{F8B7D341-9F12-145F-6DA3-B107AE9DA37B}"/>
               </a:ext>
             </a:extLst>
           </p:cNvPr>
@@ -252,7 +252,7 @@
           <a:bodyPr/>
           <a:lstStyle/>
           <a:p>
-            <a:fld id="{F4569635-8BF9-40AA-BC21-E1EA413B9F6D}" type="datetimeFigureOut">
+            <a:fld id="{24AD60F0-F717-4F42-9867-49625FDB0DFF}" type="datetimeFigureOut">
               <a:rPr lang="zh-CN" altLang="en-US" smtClean="0"/>
               <a:t>2024/3/10</a:t>
             </a:fld>
@@ -265,7 +265,7 @@
           <p:cNvPr id="5" name="页脚占位符 4">
             <a:extLst>
               <a:ext uri="{FF2B5EF4-FFF2-40B4-BE49-F238E27FC236}">
-                <a16:creationId xmlns:a16="http://schemas.microsoft.com/office/drawing/2014/main" id="{6557EC1E-3BB8-8FEB-1E1C-F4B43DEA8DE7}"/>
+                <a16:creationId xmlns:a16="http://schemas.microsoft.com/office/drawing/2014/main" id="{E53005F9-4D6C-6E3E-17F5-C4434AA2E5CC}"/>
               </a:ext>
             </a:extLst>
           </p:cNvPr>
@@ -290,7 +290,7 @@
           <p:cNvPr id="6" name="灯片编号占位符 5">
             <a:extLst>
               <a:ext uri="{FF2B5EF4-FFF2-40B4-BE49-F238E27FC236}">
-                <a16:creationId xmlns:a16="http://schemas.microsoft.com/office/drawing/2014/main" id="{AF32F13D-2552-AD6C-EC24-8364BDB7308A}"/>
+                <a16:creationId xmlns:a16="http://schemas.microsoft.com/office/drawing/2014/main" id="{E975B47E-284A-4A4D-82AB-79BCACC2D1D0}"/>
               </a:ext>
             </a:extLst>
           </p:cNvPr>
@@ -306,7 +306,7 @@
           <a:bodyPr/>
           <a:lstStyle/>
           <a:p>
-            <a:fld id="{0DD51CB9-68B0-4075-AED3-C5B5F763F999}" type="slidenum">
+            <a:fld id="{553E9E8C-2950-4C33-BF10-810FC79F1B3E}" type="slidenum">
               <a:rPr lang="zh-CN" altLang="en-US" smtClean="0"/>
               <a:t>‹#›</a:t>
             </a:fld>
@@ -317,7 +317,7 @@
     </p:spTree>
     <p:extLst>
       <p:ext uri="{BB962C8B-B14F-4D97-AF65-F5344CB8AC3E}">
-        <p14:creationId xmlns:p14="http://schemas.microsoft.com/office/powerpoint/2010/main" val="3424959426"/>
+        <p14:creationId xmlns:p14="http://schemas.microsoft.com/office/powerpoint/2010/main" val="2768024369"/>
       </p:ext>
     </p:extLst>
   </p:cSld>
@@ -349,7 +349,7 @@
           <p:cNvPr id="2" name="标题 1">
             <a:extLst>
               <a:ext uri="{FF2B5EF4-FFF2-40B4-BE49-F238E27FC236}">
-                <a16:creationId xmlns:a16="http://schemas.microsoft.com/office/drawing/2014/main" id="{61216A1D-D574-000E-8E13-F1060CE9CB9A}"/>
+                <a16:creationId xmlns:a16="http://schemas.microsoft.com/office/drawing/2014/main" id="{E5DDF127-BFCF-0689-5482-CAAD36636387}"/>
               </a:ext>
             </a:extLst>
           </p:cNvPr>
@@ -377,7 +377,7 @@
           <p:cNvPr id="3" name="竖排文字占位符 2">
             <a:extLst>
               <a:ext uri="{FF2B5EF4-FFF2-40B4-BE49-F238E27FC236}">
-                <a16:creationId xmlns:a16="http://schemas.microsoft.com/office/drawing/2014/main" id="{49D5D897-5333-5ECE-3B27-3523F40BAE1F}"/>
+                <a16:creationId xmlns:a16="http://schemas.microsoft.com/office/drawing/2014/main" id="{C845197B-7578-D3E9-946B-37F4BA670B49}"/>
               </a:ext>
             </a:extLst>
           </p:cNvPr>
@@ -434,7 +434,7 @@
           <p:cNvPr id="4" name="日期占位符 3">
             <a:extLst>
               <a:ext uri="{FF2B5EF4-FFF2-40B4-BE49-F238E27FC236}">
-                <a16:creationId xmlns:a16="http://schemas.microsoft.com/office/drawing/2014/main" id="{9D54AA3A-953A-FDB4-E317-F984EAE8BBD5}"/>
+                <a16:creationId xmlns:a16="http://schemas.microsoft.com/office/drawing/2014/main" id="{67238A1D-970F-CEAF-3B53-36C009AEF055}"/>
               </a:ext>
             </a:extLst>
           </p:cNvPr>
@@ -450,7 +450,7 @@
           <a:bodyPr/>
           <a:lstStyle/>
           <a:p>
-            <a:fld id="{F4569635-8BF9-40AA-BC21-E1EA413B9F6D}" type="datetimeFigureOut">
+            <a:fld id="{24AD60F0-F717-4F42-9867-49625FDB0DFF}" type="datetimeFigureOut">
               <a:rPr lang="zh-CN" altLang="en-US" smtClean="0"/>
               <a:t>2024/3/10</a:t>
             </a:fld>
@@ -463,7 +463,7 @@
           <p:cNvPr id="5" name="页脚占位符 4">
             <a:extLst>
               <a:ext uri="{FF2B5EF4-FFF2-40B4-BE49-F238E27FC236}">
-                <a16:creationId xmlns:a16="http://schemas.microsoft.com/office/drawing/2014/main" id="{08A18CE4-D3CF-B409-0AFA-306D53636F80}"/>
+                <a16:creationId xmlns:a16="http://schemas.microsoft.com/office/drawing/2014/main" id="{6FD890FF-3DA0-D2C8-7863-768C1AE8C2F4}"/>
               </a:ext>
             </a:extLst>
           </p:cNvPr>
@@ -488,7 +488,7 @@
           <p:cNvPr id="6" name="灯片编号占位符 5">
             <a:extLst>
               <a:ext uri="{FF2B5EF4-FFF2-40B4-BE49-F238E27FC236}">
-                <a16:creationId xmlns:a16="http://schemas.microsoft.com/office/drawing/2014/main" id="{8ECF4678-2AD2-EAB7-BB99-35F694AD7325}"/>
+                <a16:creationId xmlns:a16="http://schemas.microsoft.com/office/drawing/2014/main" id="{6EAA03D3-6F7F-5E6F-8CD2-F55755BDC6D1}"/>
               </a:ext>
             </a:extLst>
           </p:cNvPr>
@@ -504,7 +504,7 @@
           <a:bodyPr/>
           <a:lstStyle/>
           <a:p>
-            <a:fld id="{0DD51CB9-68B0-4075-AED3-C5B5F763F999}" type="slidenum">
+            <a:fld id="{553E9E8C-2950-4C33-BF10-810FC79F1B3E}" type="slidenum">
               <a:rPr lang="zh-CN" altLang="en-US" smtClean="0"/>
               <a:t>‹#›</a:t>
             </a:fld>
@@ -515,7 +515,7 @@
     </p:spTree>
     <p:extLst>
       <p:ext uri="{BB962C8B-B14F-4D97-AF65-F5344CB8AC3E}">
-        <p14:creationId xmlns:p14="http://schemas.microsoft.com/office/powerpoint/2010/main" val="1938972595"/>
+        <p14:creationId xmlns:p14="http://schemas.microsoft.com/office/powerpoint/2010/main" val="933214553"/>
       </p:ext>
     </p:extLst>
   </p:cSld>
@@ -547,7 +547,7 @@
           <p:cNvPr id="2" name="竖排标题 1">
             <a:extLst>
               <a:ext uri="{FF2B5EF4-FFF2-40B4-BE49-F238E27FC236}">
-                <a16:creationId xmlns:a16="http://schemas.microsoft.com/office/drawing/2014/main" id="{C7CF37D1-36A9-B2E0-135D-919F2692D579}"/>
+                <a16:creationId xmlns:a16="http://schemas.microsoft.com/office/drawing/2014/main" id="{1E384120-52DB-3D93-ED20-4E564603FC20}"/>
               </a:ext>
             </a:extLst>
           </p:cNvPr>
@@ -580,7 +580,7 @@
           <p:cNvPr id="3" name="竖排文字占位符 2">
             <a:extLst>
               <a:ext uri="{FF2B5EF4-FFF2-40B4-BE49-F238E27FC236}">
-                <a16:creationId xmlns:a16="http://schemas.microsoft.com/office/drawing/2014/main" id="{9A7418FF-0D46-C3E3-4DD4-4FE9F32A984F}"/>
+                <a16:creationId xmlns:a16="http://schemas.microsoft.com/office/drawing/2014/main" id="{CF87851E-08AF-08CF-025B-4EBC408F152A}"/>
               </a:ext>
             </a:extLst>
           </p:cNvPr>
@@ -642,7 +642,7 @@
           <p:cNvPr id="4" name="日期占位符 3">
             <a:extLst>
               <a:ext uri="{FF2B5EF4-FFF2-40B4-BE49-F238E27FC236}">
-                <a16:creationId xmlns:a16="http://schemas.microsoft.com/office/drawing/2014/main" id="{B365D6A2-D6BB-1A09-2F72-BAF824012C95}"/>
+                <a16:creationId xmlns:a16="http://schemas.microsoft.com/office/drawing/2014/main" id="{D090CF85-58A1-74C5-0676-3A11649349B8}"/>
               </a:ext>
             </a:extLst>
           </p:cNvPr>
@@ -658,7 +658,7 @@
           <a:bodyPr/>
           <a:lstStyle/>
           <a:p>
-            <a:fld id="{F4569635-8BF9-40AA-BC21-E1EA413B9F6D}" type="datetimeFigureOut">
+            <a:fld id="{24AD60F0-F717-4F42-9867-49625FDB0DFF}" type="datetimeFigureOut">
               <a:rPr lang="zh-CN" altLang="en-US" smtClean="0"/>
               <a:t>2024/3/10</a:t>
             </a:fld>
@@ -671,7 +671,7 @@
           <p:cNvPr id="5" name="页脚占位符 4">
             <a:extLst>
               <a:ext uri="{FF2B5EF4-FFF2-40B4-BE49-F238E27FC236}">
-                <a16:creationId xmlns:a16="http://schemas.microsoft.com/office/drawing/2014/main" id="{87DE22A2-23D3-697A-C6D9-BA8AFA249B37}"/>
+                <a16:creationId xmlns:a16="http://schemas.microsoft.com/office/drawing/2014/main" id="{43D23282-657C-1242-79D2-C056ECE9A583}"/>
               </a:ext>
             </a:extLst>
           </p:cNvPr>
@@ -696,7 +696,7 @@
           <p:cNvPr id="6" name="灯片编号占位符 5">
             <a:extLst>
               <a:ext uri="{FF2B5EF4-FFF2-40B4-BE49-F238E27FC236}">
-                <a16:creationId xmlns:a16="http://schemas.microsoft.com/office/drawing/2014/main" id="{B279B9AC-BD92-D993-1496-77EF64440A44}"/>
+                <a16:creationId xmlns:a16="http://schemas.microsoft.com/office/drawing/2014/main" id="{2A13E30C-51C6-6066-5F59-FB0CC3895DE9}"/>
               </a:ext>
             </a:extLst>
           </p:cNvPr>
@@ -712,7 +712,7 @@
           <a:bodyPr/>
           <a:lstStyle/>
           <a:p>
-            <a:fld id="{0DD51CB9-68B0-4075-AED3-C5B5F763F999}" type="slidenum">
+            <a:fld id="{553E9E8C-2950-4C33-BF10-810FC79F1B3E}" type="slidenum">
               <a:rPr lang="zh-CN" altLang="en-US" smtClean="0"/>
               <a:t>‹#›</a:t>
             </a:fld>
@@ -723,7 +723,7 @@
     </p:spTree>
     <p:extLst>
       <p:ext uri="{BB962C8B-B14F-4D97-AF65-F5344CB8AC3E}">
-        <p14:creationId xmlns:p14="http://schemas.microsoft.com/office/powerpoint/2010/main" val="159366892"/>
+        <p14:creationId xmlns:p14="http://schemas.microsoft.com/office/powerpoint/2010/main" val="411672617"/>
       </p:ext>
     </p:extLst>
   </p:cSld>
@@ -755,7 +755,7 @@
           <p:cNvPr id="2" name="标题 1">
             <a:extLst>
               <a:ext uri="{FF2B5EF4-FFF2-40B4-BE49-F238E27FC236}">
-                <a16:creationId xmlns:a16="http://schemas.microsoft.com/office/drawing/2014/main" id="{899EAADC-F357-15A6-A276-1D10A48C108C}"/>
+                <a16:creationId xmlns:a16="http://schemas.microsoft.com/office/drawing/2014/main" id="{FE679629-184F-0F38-579B-B84E192AC8A7}"/>
               </a:ext>
             </a:extLst>
           </p:cNvPr>
@@ -783,7 +783,7 @@
           <p:cNvPr id="3" name="内容占位符 2">
             <a:extLst>
               <a:ext uri="{FF2B5EF4-FFF2-40B4-BE49-F238E27FC236}">
-                <a16:creationId xmlns:a16="http://schemas.microsoft.com/office/drawing/2014/main" id="{36BBDDED-AB43-FB13-FFC1-54415D31F9B7}"/>
+                <a16:creationId xmlns:a16="http://schemas.microsoft.com/office/drawing/2014/main" id="{5A13337A-9E5C-5C7B-DF9D-95F354948E36}"/>
               </a:ext>
             </a:extLst>
           </p:cNvPr>
@@ -840,7 +840,7 @@
           <p:cNvPr id="4" name="日期占位符 3">
             <a:extLst>
               <a:ext uri="{FF2B5EF4-FFF2-40B4-BE49-F238E27FC236}">
-                <a16:creationId xmlns:a16="http://schemas.microsoft.com/office/drawing/2014/main" id="{B8D51B15-A386-8AC2-B821-0CFA759165B7}"/>
+                <a16:creationId xmlns:a16="http://schemas.microsoft.com/office/drawing/2014/main" id="{468926A6-EA27-DD80-B568-C7C7102A6BE3}"/>
               </a:ext>
             </a:extLst>
           </p:cNvPr>
@@ -856,7 +856,7 @@
           <a:bodyPr/>
           <a:lstStyle/>
           <a:p>
-            <a:fld id="{F4569635-8BF9-40AA-BC21-E1EA413B9F6D}" type="datetimeFigureOut">
+            <a:fld id="{24AD60F0-F717-4F42-9867-49625FDB0DFF}" type="datetimeFigureOut">
               <a:rPr lang="zh-CN" altLang="en-US" smtClean="0"/>
               <a:t>2024/3/10</a:t>
             </a:fld>
@@ -869,7 +869,7 @@
           <p:cNvPr id="5" name="页脚占位符 4">
             <a:extLst>
               <a:ext uri="{FF2B5EF4-FFF2-40B4-BE49-F238E27FC236}">
-                <a16:creationId xmlns:a16="http://schemas.microsoft.com/office/drawing/2014/main" id="{AC8BC27E-83E8-1882-D49C-A4CE54C53554}"/>
+                <a16:creationId xmlns:a16="http://schemas.microsoft.com/office/drawing/2014/main" id="{460DF01D-D057-3B64-0989-B44AEC7D2CA3}"/>
               </a:ext>
             </a:extLst>
           </p:cNvPr>
@@ -894,7 +894,7 @@
           <p:cNvPr id="6" name="灯片编号占位符 5">
             <a:extLst>
               <a:ext uri="{FF2B5EF4-FFF2-40B4-BE49-F238E27FC236}">
-                <a16:creationId xmlns:a16="http://schemas.microsoft.com/office/drawing/2014/main" id="{884E064E-8B8F-E259-59A4-C4E09541E9A2}"/>
+                <a16:creationId xmlns:a16="http://schemas.microsoft.com/office/drawing/2014/main" id="{F5ED33E6-4F45-ECC9-8CCE-0EF8D34C5740}"/>
               </a:ext>
             </a:extLst>
           </p:cNvPr>
@@ -910,7 +910,7 @@
           <a:bodyPr/>
           <a:lstStyle/>
           <a:p>
-            <a:fld id="{0DD51CB9-68B0-4075-AED3-C5B5F763F999}" type="slidenum">
+            <a:fld id="{553E9E8C-2950-4C33-BF10-810FC79F1B3E}" type="slidenum">
               <a:rPr lang="zh-CN" altLang="en-US" smtClean="0"/>
               <a:t>‹#›</a:t>
             </a:fld>
@@ -921,7 +921,7 @@
     </p:spTree>
     <p:extLst>
       <p:ext uri="{BB962C8B-B14F-4D97-AF65-F5344CB8AC3E}">
-        <p14:creationId xmlns:p14="http://schemas.microsoft.com/office/powerpoint/2010/main" val="2562710175"/>
+        <p14:creationId xmlns:p14="http://schemas.microsoft.com/office/powerpoint/2010/main" val="1856872919"/>
       </p:ext>
     </p:extLst>
   </p:cSld>
@@ -953,7 +953,7 @@
           <p:cNvPr id="2" name="标题 1">
             <a:extLst>
               <a:ext uri="{FF2B5EF4-FFF2-40B4-BE49-F238E27FC236}">
-                <a16:creationId xmlns:a16="http://schemas.microsoft.com/office/drawing/2014/main" id="{F115B930-8BBC-CDD3-A160-F44998E65CEE}"/>
+                <a16:creationId xmlns:a16="http://schemas.microsoft.com/office/drawing/2014/main" id="{17792031-DCA8-01A7-FAC8-F5A55076F276}"/>
               </a:ext>
             </a:extLst>
           </p:cNvPr>
@@ -990,7 +990,7 @@
           <p:cNvPr id="3" name="文本占位符 2">
             <a:extLst>
               <a:ext uri="{FF2B5EF4-FFF2-40B4-BE49-F238E27FC236}">
-                <a16:creationId xmlns:a16="http://schemas.microsoft.com/office/drawing/2014/main" id="{272179FB-DE78-A673-23E4-A04439C22D6F}"/>
+                <a16:creationId xmlns:a16="http://schemas.microsoft.com/office/drawing/2014/main" id="{21717412-7F36-7ED5-F46D-CDCE62DCCC34}"/>
               </a:ext>
             </a:extLst>
           </p:cNvPr>
@@ -1115,7 +1115,7 @@
           <p:cNvPr id="4" name="日期占位符 3">
             <a:extLst>
               <a:ext uri="{FF2B5EF4-FFF2-40B4-BE49-F238E27FC236}">
-                <a16:creationId xmlns:a16="http://schemas.microsoft.com/office/drawing/2014/main" id="{3BCC2DA0-810D-2411-C934-15FE9787505C}"/>
+                <a16:creationId xmlns:a16="http://schemas.microsoft.com/office/drawing/2014/main" id="{34267A1D-F5E1-8E7E-701F-55BE3C19F34C}"/>
               </a:ext>
             </a:extLst>
           </p:cNvPr>
@@ -1131,7 +1131,7 @@
           <a:bodyPr/>
           <a:lstStyle/>
           <a:p>
-            <a:fld id="{F4569635-8BF9-40AA-BC21-E1EA413B9F6D}" type="datetimeFigureOut">
+            <a:fld id="{24AD60F0-F717-4F42-9867-49625FDB0DFF}" type="datetimeFigureOut">
               <a:rPr lang="zh-CN" altLang="en-US" smtClean="0"/>
               <a:t>2024/3/10</a:t>
             </a:fld>
@@ -1144,7 +1144,7 @@
           <p:cNvPr id="5" name="页脚占位符 4">
             <a:extLst>
               <a:ext uri="{FF2B5EF4-FFF2-40B4-BE49-F238E27FC236}">
-                <a16:creationId xmlns:a16="http://schemas.microsoft.com/office/drawing/2014/main" id="{5EB43466-A8BC-C996-42CC-C05B68688081}"/>
+                <a16:creationId xmlns:a16="http://schemas.microsoft.com/office/drawing/2014/main" id="{79DD172F-54AB-97BB-A092-C4DD33B08D3D}"/>
               </a:ext>
             </a:extLst>
           </p:cNvPr>
@@ -1169,7 +1169,7 @@
           <p:cNvPr id="6" name="灯片编号占位符 5">
             <a:extLst>
               <a:ext uri="{FF2B5EF4-FFF2-40B4-BE49-F238E27FC236}">
-                <a16:creationId xmlns:a16="http://schemas.microsoft.com/office/drawing/2014/main" id="{DEA19171-BE69-8F3C-CE73-1230551B55D5}"/>
+                <a16:creationId xmlns:a16="http://schemas.microsoft.com/office/drawing/2014/main" id="{5F5CEBEF-8998-99A3-0970-C803F26D2389}"/>
               </a:ext>
             </a:extLst>
           </p:cNvPr>
@@ -1185,7 +1185,7 @@
           <a:bodyPr/>
           <a:lstStyle/>
           <a:p>
-            <a:fld id="{0DD51CB9-68B0-4075-AED3-C5B5F763F999}" type="slidenum">
+            <a:fld id="{553E9E8C-2950-4C33-BF10-810FC79F1B3E}" type="slidenum">
               <a:rPr lang="zh-CN" altLang="en-US" smtClean="0"/>
               <a:t>‹#›</a:t>
             </a:fld>
@@ -1196,7 +1196,7 @@
     </p:spTree>
     <p:extLst>
       <p:ext uri="{BB962C8B-B14F-4D97-AF65-F5344CB8AC3E}">
-        <p14:creationId xmlns:p14="http://schemas.microsoft.com/office/powerpoint/2010/main" val="896168729"/>
+        <p14:creationId xmlns:p14="http://schemas.microsoft.com/office/powerpoint/2010/main" val="3351914188"/>
       </p:ext>
     </p:extLst>
   </p:cSld>
@@ -1228,7 +1228,7 @@
           <p:cNvPr id="2" name="标题 1">
             <a:extLst>
               <a:ext uri="{FF2B5EF4-FFF2-40B4-BE49-F238E27FC236}">
-                <a16:creationId xmlns:a16="http://schemas.microsoft.com/office/drawing/2014/main" id="{BC615EF6-DE0C-B0B7-4BF7-02D7F7C21BCB}"/>
+                <a16:creationId xmlns:a16="http://schemas.microsoft.com/office/drawing/2014/main" id="{7D9E2DCA-798C-466D-2AA6-E074F6BED57C}"/>
               </a:ext>
             </a:extLst>
           </p:cNvPr>
@@ -1256,7 +1256,7 @@
           <p:cNvPr id="3" name="内容占位符 2">
             <a:extLst>
               <a:ext uri="{FF2B5EF4-FFF2-40B4-BE49-F238E27FC236}">
-                <a16:creationId xmlns:a16="http://schemas.microsoft.com/office/drawing/2014/main" id="{430EC6B5-8FD5-9335-77C6-79A43EEFA9AC}"/>
+                <a16:creationId xmlns:a16="http://schemas.microsoft.com/office/drawing/2014/main" id="{DDFA09F8-C4DB-7728-DABE-CC76C7F990E5}"/>
               </a:ext>
             </a:extLst>
           </p:cNvPr>
@@ -1318,7 +1318,7 @@
           <p:cNvPr id="4" name="内容占位符 3">
             <a:extLst>
               <a:ext uri="{FF2B5EF4-FFF2-40B4-BE49-F238E27FC236}">
-                <a16:creationId xmlns:a16="http://schemas.microsoft.com/office/drawing/2014/main" id="{D4435430-D515-F5EA-7871-07E010112014}"/>
+                <a16:creationId xmlns:a16="http://schemas.microsoft.com/office/drawing/2014/main" id="{E2636F5C-9CB1-EAD4-4F0B-616AD069C992}"/>
               </a:ext>
             </a:extLst>
           </p:cNvPr>
@@ -1380,7 +1380,7 @@
           <p:cNvPr id="5" name="日期占位符 4">
             <a:extLst>
               <a:ext uri="{FF2B5EF4-FFF2-40B4-BE49-F238E27FC236}">
-                <a16:creationId xmlns:a16="http://schemas.microsoft.com/office/drawing/2014/main" id="{7B817562-071D-89FD-DA9F-C3BC1D3C5F43}"/>
+                <a16:creationId xmlns:a16="http://schemas.microsoft.com/office/drawing/2014/main" id="{F3B38200-E1A8-0C3A-604C-4217BA595559}"/>
               </a:ext>
             </a:extLst>
           </p:cNvPr>
@@ -1396,7 +1396,7 @@
           <a:bodyPr/>
           <a:lstStyle/>
           <a:p>
-            <a:fld id="{F4569635-8BF9-40AA-BC21-E1EA413B9F6D}" type="datetimeFigureOut">
+            <a:fld id="{24AD60F0-F717-4F42-9867-49625FDB0DFF}" type="datetimeFigureOut">
               <a:rPr lang="zh-CN" altLang="en-US" smtClean="0"/>
               <a:t>2024/3/10</a:t>
             </a:fld>
@@ -1409,7 +1409,7 @@
           <p:cNvPr id="6" name="页脚占位符 5">
             <a:extLst>
               <a:ext uri="{FF2B5EF4-FFF2-40B4-BE49-F238E27FC236}">
-                <a16:creationId xmlns:a16="http://schemas.microsoft.com/office/drawing/2014/main" id="{C2C8D4CF-4295-7CC9-1215-FB48B5384E36}"/>
+                <a16:creationId xmlns:a16="http://schemas.microsoft.com/office/drawing/2014/main" id="{0089D9F5-9F3E-F1E9-22B4-60B144B43914}"/>
               </a:ext>
             </a:extLst>
           </p:cNvPr>
@@ -1434,7 +1434,7 @@
           <p:cNvPr id="7" name="灯片编号占位符 6">
             <a:extLst>
               <a:ext uri="{FF2B5EF4-FFF2-40B4-BE49-F238E27FC236}">
-                <a16:creationId xmlns:a16="http://schemas.microsoft.com/office/drawing/2014/main" id="{4E23913B-D5EC-30BA-C192-E60960662B16}"/>
+                <a16:creationId xmlns:a16="http://schemas.microsoft.com/office/drawing/2014/main" id="{E3386BC1-DF82-F8B1-7874-5165010F171A}"/>
               </a:ext>
             </a:extLst>
           </p:cNvPr>
@@ -1450,7 +1450,7 @@
           <a:bodyPr/>
           <a:lstStyle/>
           <a:p>
-            <a:fld id="{0DD51CB9-68B0-4075-AED3-C5B5F763F999}" type="slidenum">
+            <a:fld id="{553E9E8C-2950-4C33-BF10-810FC79F1B3E}" type="slidenum">
               <a:rPr lang="zh-CN" altLang="en-US" smtClean="0"/>
               <a:t>‹#›</a:t>
             </a:fld>
@@ -1461,7 +1461,7 @@
     </p:spTree>
     <p:extLst>
       <p:ext uri="{BB962C8B-B14F-4D97-AF65-F5344CB8AC3E}">
-        <p14:creationId xmlns:p14="http://schemas.microsoft.com/office/powerpoint/2010/main" val="809604784"/>
+        <p14:creationId xmlns:p14="http://schemas.microsoft.com/office/powerpoint/2010/main" val="1027676387"/>
       </p:ext>
     </p:extLst>
   </p:cSld>
@@ -1493,7 +1493,7 @@
           <p:cNvPr id="2" name="标题 1">
             <a:extLst>
               <a:ext uri="{FF2B5EF4-FFF2-40B4-BE49-F238E27FC236}">
-                <a16:creationId xmlns:a16="http://schemas.microsoft.com/office/drawing/2014/main" id="{F4E37AF5-8D40-2A5E-2DE8-1D740BB48DC6}"/>
+                <a16:creationId xmlns:a16="http://schemas.microsoft.com/office/drawing/2014/main" id="{FFEC8838-268A-A602-529F-87A368990408}"/>
               </a:ext>
             </a:extLst>
           </p:cNvPr>
@@ -1526,7 +1526,7 @@
           <p:cNvPr id="3" name="文本占位符 2">
             <a:extLst>
               <a:ext uri="{FF2B5EF4-FFF2-40B4-BE49-F238E27FC236}">
-                <a16:creationId xmlns:a16="http://schemas.microsoft.com/office/drawing/2014/main" id="{EFE63CB2-EC0E-28E9-8B50-608029D3B26A}"/>
+                <a16:creationId xmlns:a16="http://schemas.microsoft.com/office/drawing/2014/main" id="{05676ADA-E8FA-0DEB-F9C7-60807FECBA53}"/>
               </a:ext>
             </a:extLst>
           </p:cNvPr>
@@ -1597,7 +1597,7 @@
           <p:cNvPr id="4" name="内容占位符 3">
             <a:extLst>
               <a:ext uri="{FF2B5EF4-FFF2-40B4-BE49-F238E27FC236}">
-                <a16:creationId xmlns:a16="http://schemas.microsoft.com/office/drawing/2014/main" id="{A8C71781-3492-0B4C-2650-AC60D404158B}"/>
+                <a16:creationId xmlns:a16="http://schemas.microsoft.com/office/drawing/2014/main" id="{539D3B21-1492-CDCC-6F8F-0396FA72182E}"/>
               </a:ext>
             </a:extLst>
           </p:cNvPr>
@@ -1659,7 +1659,7 @@
           <p:cNvPr id="5" name="文本占位符 4">
             <a:extLst>
               <a:ext uri="{FF2B5EF4-FFF2-40B4-BE49-F238E27FC236}">
-                <a16:creationId xmlns:a16="http://schemas.microsoft.com/office/drawing/2014/main" id="{C1460198-92AF-26B3-F58F-8F29E3A392F0}"/>
+                <a16:creationId xmlns:a16="http://schemas.microsoft.com/office/drawing/2014/main" id="{B7910A7F-382D-2CBB-C7BD-3467C4217B90}"/>
               </a:ext>
             </a:extLst>
           </p:cNvPr>
@@ -1730,7 +1730,7 @@
           <p:cNvPr id="6" name="内容占位符 5">
             <a:extLst>
               <a:ext uri="{FF2B5EF4-FFF2-40B4-BE49-F238E27FC236}">
-                <a16:creationId xmlns:a16="http://schemas.microsoft.com/office/drawing/2014/main" id="{EF534FF9-A5B6-94FD-5457-B323D09261F5}"/>
+                <a16:creationId xmlns:a16="http://schemas.microsoft.com/office/drawing/2014/main" id="{B5D07BFB-A32D-A8FC-0B3B-CDCA5D03B2F8}"/>
               </a:ext>
             </a:extLst>
           </p:cNvPr>
@@ -1792,7 +1792,7 @@
           <p:cNvPr id="7" name="日期占位符 6">
             <a:extLst>
               <a:ext uri="{FF2B5EF4-FFF2-40B4-BE49-F238E27FC236}">
-                <a16:creationId xmlns:a16="http://schemas.microsoft.com/office/drawing/2014/main" id="{7F9A008B-A566-FBCA-F362-8BBACF990A99}"/>
+                <a16:creationId xmlns:a16="http://schemas.microsoft.com/office/drawing/2014/main" id="{20B1D9D2-6FD6-8AAB-FEF7-269CEEA4C91B}"/>
               </a:ext>
             </a:extLst>
           </p:cNvPr>
@@ -1808,7 +1808,7 @@
           <a:bodyPr/>
           <a:lstStyle/>
           <a:p>
-            <a:fld id="{F4569635-8BF9-40AA-BC21-E1EA413B9F6D}" type="datetimeFigureOut">
+            <a:fld id="{24AD60F0-F717-4F42-9867-49625FDB0DFF}" type="datetimeFigureOut">
               <a:rPr lang="zh-CN" altLang="en-US" smtClean="0"/>
               <a:t>2024/3/10</a:t>
             </a:fld>
@@ -1821,7 +1821,7 @@
           <p:cNvPr id="8" name="页脚占位符 7">
             <a:extLst>
               <a:ext uri="{FF2B5EF4-FFF2-40B4-BE49-F238E27FC236}">
-                <a16:creationId xmlns:a16="http://schemas.microsoft.com/office/drawing/2014/main" id="{83FC830B-B0D5-F6DF-AE51-8D6BABB64352}"/>
+                <a16:creationId xmlns:a16="http://schemas.microsoft.com/office/drawing/2014/main" id="{32351646-4AB6-C7DD-9378-454B2B37E9FC}"/>
               </a:ext>
             </a:extLst>
           </p:cNvPr>
@@ -1846,7 +1846,7 @@
           <p:cNvPr id="9" name="灯片编号占位符 8">
             <a:extLst>
               <a:ext uri="{FF2B5EF4-FFF2-40B4-BE49-F238E27FC236}">
-                <a16:creationId xmlns:a16="http://schemas.microsoft.com/office/drawing/2014/main" id="{9A63B6B4-6153-145D-AA86-F35FBC09AAEA}"/>
+                <a16:creationId xmlns:a16="http://schemas.microsoft.com/office/drawing/2014/main" id="{B3107A7A-6125-F66E-B9C2-51CF5FCB6918}"/>
               </a:ext>
             </a:extLst>
           </p:cNvPr>
@@ -1862,7 +1862,7 @@
           <a:bodyPr/>
           <a:lstStyle/>
           <a:p>
-            <a:fld id="{0DD51CB9-68B0-4075-AED3-C5B5F763F999}" type="slidenum">
+            <a:fld id="{553E9E8C-2950-4C33-BF10-810FC79F1B3E}" type="slidenum">
               <a:rPr lang="zh-CN" altLang="en-US" smtClean="0"/>
               <a:t>‹#›</a:t>
             </a:fld>
@@ -1873,7 +1873,7 @@
     </p:spTree>
     <p:extLst>
       <p:ext uri="{BB962C8B-B14F-4D97-AF65-F5344CB8AC3E}">
-        <p14:creationId xmlns:p14="http://schemas.microsoft.com/office/powerpoint/2010/main" val="1099586019"/>
+        <p14:creationId xmlns:p14="http://schemas.microsoft.com/office/powerpoint/2010/main" val="3375731872"/>
       </p:ext>
     </p:extLst>
   </p:cSld>
@@ -1905,7 +1905,7 @@
           <p:cNvPr id="2" name="标题 1">
             <a:extLst>
               <a:ext uri="{FF2B5EF4-FFF2-40B4-BE49-F238E27FC236}">
-                <a16:creationId xmlns:a16="http://schemas.microsoft.com/office/drawing/2014/main" id="{23D14263-03A6-BEA8-CF94-26AA0C5E0D65}"/>
+                <a16:creationId xmlns:a16="http://schemas.microsoft.com/office/drawing/2014/main" id="{BC9472F3-4900-8D56-3943-81F96DDCDDA0}"/>
               </a:ext>
             </a:extLst>
           </p:cNvPr>
@@ -1933,7 +1933,7 @@
           <p:cNvPr id="3" name="日期占位符 2">
             <a:extLst>
               <a:ext uri="{FF2B5EF4-FFF2-40B4-BE49-F238E27FC236}">
-                <a16:creationId xmlns:a16="http://schemas.microsoft.com/office/drawing/2014/main" id="{AB221A0A-57D5-F08D-8787-2356B1EB2963}"/>
+                <a16:creationId xmlns:a16="http://schemas.microsoft.com/office/drawing/2014/main" id="{033AE3E6-0B3A-F00F-A219-EEDBA4C7725E}"/>
               </a:ext>
             </a:extLst>
           </p:cNvPr>
@@ -1949,7 +1949,7 @@
           <a:bodyPr/>
           <a:lstStyle/>
           <a:p>
-            <a:fld id="{F4569635-8BF9-40AA-BC21-E1EA413B9F6D}" type="datetimeFigureOut">
+            <a:fld id="{24AD60F0-F717-4F42-9867-49625FDB0DFF}" type="datetimeFigureOut">
               <a:rPr lang="zh-CN" altLang="en-US" smtClean="0"/>
               <a:t>2024/3/10</a:t>
             </a:fld>
@@ -1962,7 +1962,7 @@
           <p:cNvPr id="4" name="页脚占位符 3">
             <a:extLst>
               <a:ext uri="{FF2B5EF4-FFF2-40B4-BE49-F238E27FC236}">
-                <a16:creationId xmlns:a16="http://schemas.microsoft.com/office/drawing/2014/main" id="{45025A10-3B7E-901A-E843-6DFC07305AAD}"/>
+                <a16:creationId xmlns:a16="http://schemas.microsoft.com/office/drawing/2014/main" id="{43B65A22-96D9-3415-5E15-FF30535BB44F}"/>
               </a:ext>
             </a:extLst>
           </p:cNvPr>
@@ -1987,7 +1987,7 @@
           <p:cNvPr id="5" name="灯片编号占位符 4">
             <a:extLst>
               <a:ext uri="{FF2B5EF4-FFF2-40B4-BE49-F238E27FC236}">
-                <a16:creationId xmlns:a16="http://schemas.microsoft.com/office/drawing/2014/main" id="{62E50F56-6AD7-327A-AFDF-CB24E82B77A4}"/>
+                <a16:creationId xmlns:a16="http://schemas.microsoft.com/office/drawing/2014/main" id="{ACEF10EE-84D3-2641-BF0D-8D06EE3827B3}"/>
               </a:ext>
             </a:extLst>
           </p:cNvPr>
@@ -2003,7 +2003,7 @@
           <a:bodyPr/>
           <a:lstStyle/>
           <a:p>
-            <a:fld id="{0DD51CB9-68B0-4075-AED3-C5B5F763F999}" type="slidenum">
+            <a:fld id="{553E9E8C-2950-4C33-BF10-810FC79F1B3E}" type="slidenum">
               <a:rPr lang="zh-CN" altLang="en-US" smtClean="0"/>
               <a:t>‹#›</a:t>
             </a:fld>
@@ -2014,7 +2014,7 @@
     </p:spTree>
     <p:extLst>
       <p:ext uri="{BB962C8B-B14F-4D97-AF65-F5344CB8AC3E}">
-        <p14:creationId xmlns:p14="http://schemas.microsoft.com/office/powerpoint/2010/main" val="571835787"/>
+        <p14:creationId xmlns:p14="http://schemas.microsoft.com/office/powerpoint/2010/main" val="3669256471"/>
       </p:ext>
     </p:extLst>
   </p:cSld>
@@ -2046,7 +2046,7 @@
           <p:cNvPr id="2" name="日期占位符 1">
             <a:extLst>
               <a:ext uri="{FF2B5EF4-FFF2-40B4-BE49-F238E27FC236}">
-                <a16:creationId xmlns:a16="http://schemas.microsoft.com/office/drawing/2014/main" id="{1A32049E-6F1B-C3A4-0B67-E9A88F4A8826}"/>
+                <a16:creationId xmlns:a16="http://schemas.microsoft.com/office/drawing/2014/main" id="{8E972529-A86E-C973-A578-BD280BDFF7C3}"/>
               </a:ext>
             </a:extLst>
           </p:cNvPr>
@@ -2062,7 +2062,7 @@
           <a:bodyPr/>
           <a:lstStyle/>
           <a:p>
-            <a:fld id="{F4569635-8BF9-40AA-BC21-E1EA413B9F6D}" type="datetimeFigureOut">
+            <a:fld id="{24AD60F0-F717-4F42-9867-49625FDB0DFF}" type="datetimeFigureOut">
               <a:rPr lang="zh-CN" altLang="en-US" smtClean="0"/>
               <a:t>2024/3/10</a:t>
             </a:fld>
@@ -2075,7 +2075,7 @@
           <p:cNvPr id="3" name="页脚占位符 2">
             <a:extLst>
               <a:ext uri="{FF2B5EF4-FFF2-40B4-BE49-F238E27FC236}">
-                <a16:creationId xmlns:a16="http://schemas.microsoft.com/office/drawing/2014/main" id="{C021BD28-2CBA-8099-D537-62B8837937A8}"/>
+                <a16:creationId xmlns:a16="http://schemas.microsoft.com/office/drawing/2014/main" id="{67901B33-8BBE-22CB-5E80-DFBF60654371}"/>
               </a:ext>
             </a:extLst>
           </p:cNvPr>
@@ -2100,7 +2100,7 @@
           <p:cNvPr id="4" name="灯片编号占位符 3">
             <a:extLst>
               <a:ext uri="{FF2B5EF4-FFF2-40B4-BE49-F238E27FC236}">
-                <a16:creationId xmlns:a16="http://schemas.microsoft.com/office/drawing/2014/main" id="{F62D9B08-25FD-507E-0250-D86EB486DB71}"/>
+                <a16:creationId xmlns:a16="http://schemas.microsoft.com/office/drawing/2014/main" id="{8F1A7082-EEB9-61A5-0EAA-070BB819C5E8}"/>
               </a:ext>
             </a:extLst>
           </p:cNvPr>
@@ -2116,7 +2116,7 @@
           <a:bodyPr/>
           <a:lstStyle/>
           <a:p>
-            <a:fld id="{0DD51CB9-68B0-4075-AED3-C5B5F763F999}" type="slidenum">
+            <a:fld id="{553E9E8C-2950-4C33-BF10-810FC79F1B3E}" type="slidenum">
               <a:rPr lang="zh-CN" altLang="en-US" smtClean="0"/>
               <a:t>‹#›</a:t>
             </a:fld>
@@ -2127,7 +2127,7 @@
     </p:spTree>
     <p:extLst>
       <p:ext uri="{BB962C8B-B14F-4D97-AF65-F5344CB8AC3E}">
-        <p14:creationId xmlns:p14="http://schemas.microsoft.com/office/powerpoint/2010/main" val="2333479138"/>
+        <p14:creationId xmlns:p14="http://schemas.microsoft.com/office/powerpoint/2010/main" val="626436261"/>
       </p:ext>
     </p:extLst>
   </p:cSld>
@@ -2159,7 +2159,7 @@
           <p:cNvPr id="2" name="标题 1">
             <a:extLst>
               <a:ext uri="{FF2B5EF4-FFF2-40B4-BE49-F238E27FC236}">
-                <a16:creationId xmlns:a16="http://schemas.microsoft.com/office/drawing/2014/main" id="{07AD3461-95AF-B93A-FC2A-90C79D4E0547}"/>
+                <a16:creationId xmlns:a16="http://schemas.microsoft.com/office/drawing/2014/main" id="{CF654473-0501-9EAD-BD03-FE79F270A15F}"/>
               </a:ext>
             </a:extLst>
           </p:cNvPr>
@@ -2196,7 +2196,7 @@
           <p:cNvPr id="3" name="内容占位符 2">
             <a:extLst>
               <a:ext uri="{FF2B5EF4-FFF2-40B4-BE49-F238E27FC236}">
-                <a16:creationId xmlns:a16="http://schemas.microsoft.com/office/drawing/2014/main" id="{08F05F1D-3FF0-C76E-638B-A4657B74E9BE}"/>
+                <a16:creationId xmlns:a16="http://schemas.microsoft.com/office/drawing/2014/main" id="{23C4FDB3-1423-262C-B235-D52F9D5011B7}"/>
               </a:ext>
             </a:extLst>
           </p:cNvPr>
@@ -2286,7 +2286,7 @@
           <p:cNvPr id="4" name="文本占位符 3">
             <a:extLst>
               <a:ext uri="{FF2B5EF4-FFF2-40B4-BE49-F238E27FC236}">
-                <a16:creationId xmlns:a16="http://schemas.microsoft.com/office/drawing/2014/main" id="{A8AD1ECA-F1E9-2743-7B93-FDD811497770}"/>
+                <a16:creationId xmlns:a16="http://schemas.microsoft.com/office/drawing/2014/main" id="{E2DFF4DC-73EC-7BD2-F36A-0E03AAAE2743}"/>
               </a:ext>
             </a:extLst>
           </p:cNvPr>
@@ -2357,7 +2357,7 @@
           <p:cNvPr id="5" name="日期占位符 4">
             <a:extLst>
               <a:ext uri="{FF2B5EF4-FFF2-40B4-BE49-F238E27FC236}">
-                <a16:creationId xmlns:a16="http://schemas.microsoft.com/office/drawing/2014/main" id="{C6004C38-642A-00D8-85E6-A9BE39A70FD7}"/>
+                <a16:creationId xmlns:a16="http://schemas.microsoft.com/office/drawing/2014/main" id="{5DEED75D-0806-4A01-616B-51A460F115C1}"/>
               </a:ext>
             </a:extLst>
           </p:cNvPr>
@@ -2373,7 +2373,7 @@
           <a:bodyPr/>
           <a:lstStyle/>
           <a:p>
-            <a:fld id="{F4569635-8BF9-40AA-BC21-E1EA413B9F6D}" type="datetimeFigureOut">
+            <a:fld id="{24AD60F0-F717-4F42-9867-49625FDB0DFF}" type="datetimeFigureOut">
               <a:rPr lang="zh-CN" altLang="en-US" smtClean="0"/>
               <a:t>2024/3/10</a:t>
             </a:fld>
@@ -2386,7 +2386,7 @@
           <p:cNvPr id="6" name="页脚占位符 5">
             <a:extLst>
               <a:ext uri="{FF2B5EF4-FFF2-40B4-BE49-F238E27FC236}">
-                <a16:creationId xmlns:a16="http://schemas.microsoft.com/office/drawing/2014/main" id="{9A62A1F7-2A42-F61C-57D2-C3E81BA5297A}"/>
+                <a16:creationId xmlns:a16="http://schemas.microsoft.com/office/drawing/2014/main" id="{684EC53D-779A-2C08-AB11-9142FB2170F9}"/>
               </a:ext>
             </a:extLst>
           </p:cNvPr>
@@ -2411,7 +2411,7 @@
           <p:cNvPr id="7" name="灯片编号占位符 6">
             <a:extLst>
               <a:ext uri="{FF2B5EF4-FFF2-40B4-BE49-F238E27FC236}">
-                <a16:creationId xmlns:a16="http://schemas.microsoft.com/office/drawing/2014/main" id="{34E6008A-5C00-2E4F-D7FB-0678C359AA9D}"/>
+                <a16:creationId xmlns:a16="http://schemas.microsoft.com/office/drawing/2014/main" id="{6C7BECC0-6053-6FC4-5B20-B191D39B8119}"/>
               </a:ext>
             </a:extLst>
           </p:cNvPr>
@@ -2427,7 +2427,7 @@
           <a:bodyPr/>
           <a:lstStyle/>
           <a:p>
-            <a:fld id="{0DD51CB9-68B0-4075-AED3-C5B5F763F999}" type="slidenum">
+            <a:fld id="{553E9E8C-2950-4C33-BF10-810FC79F1B3E}" type="slidenum">
               <a:rPr lang="zh-CN" altLang="en-US" smtClean="0"/>
               <a:t>‹#›</a:t>
             </a:fld>
@@ -2438,7 +2438,7 @@
     </p:spTree>
     <p:extLst>
       <p:ext uri="{BB962C8B-B14F-4D97-AF65-F5344CB8AC3E}">
-        <p14:creationId xmlns:p14="http://schemas.microsoft.com/office/powerpoint/2010/main" val="1739526080"/>
+        <p14:creationId xmlns:p14="http://schemas.microsoft.com/office/powerpoint/2010/main" val="543570539"/>
       </p:ext>
     </p:extLst>
   </p:cSld>
@@ -2470,7 +2470,7 @@
           <p:cNvPr id="2" name="标题 1">
             <a:extLst>
               <a:ext uri="{FF2B5EF4-FFF2-40B4-BE49-F238E27FC236}">
-                <a16:creationId xmlns:a16="http://schemas.microsoft.com/office/drawing/2014/main" id="{474C606F-1085-9EB3-B85E-A9FD1C34FAED}"/>
+                <a16:creationId xmlns:a16="http://schemas.microsoft.com/office/drawing/2014/main" id="{BC297577-FC7B-9A04-BB2C-3F1C88EE4D28}"/>
               </a:ext>
             </a:extLst>
           </p:cNvPr>
@@ -2507,7 +2507,7 @@
           <p:cNvPr id="3" name="图片占位符 2">
             <a:extLst>
               <a:ext uri="{FF2B5EF4-FFF2-40B4-BE49-F238E27FC236}">
-                <a16:creationId xmlns:a16="http://schemas.microsoft.com/office/drawing/2014/main" id="{E919AEC5-B322-C466-23D4-C57305773FA8}"/>
+                <a16:creationId xmlns:a16="http://schemas.microsoft.com/office/drawing/2014/main" id="{A119364B-90C1-108A-2125-732C20E0B9F2}"/>
               </a:ext>
             </a:extLst>
           </p:cNvPr>
@@ -2574,7 +2574,7 @@
           <p:cNvPr id="4" name="文本占位符 3">
             <a:extLst>
               <a:ext uri="{FF2B5EF4-FFF2-40B4-BE49-F238E27FC236}">
-                <a16:creationId xmlns:a16="http://schemas.microsoft.com/office/drawing/2014/main" id="{DF80AC85-FC6B-0AC2-A091-CAA6AB6055DB}"/>
+                <a16:creationId xmlns:a16="http://schemas.microsoft.com/office/drawing/2014/main" id="{22F51210-F270-AEE8-5F93-B67CAFFA1D81}"/>
               </a:ext>
             </a:extLst>
           </p:cNvPr>
@@ -2645,7 +2645,7 @@
           <p:cNvPr id="5" name="日期占位符 4">
             <a:extLst>
               <a:ext uri="{FF2B5EF4-FFF2-40B4-BE49-F238E27FC236}">
-                <a16:creationId xmlns:a16="http://schemas.microsoft.com/office/drawing/2014/main" id="{CE7A4D17-B90B-7323-126B-709717121F2C}"/>
+                <a16:creationId xmlns:a16="http://schemas.microsoft.com/office/drawing/2014/main" id="{93BD2E7B-75D9-ADE4-5542-1383BDE16D98}"/>
               </a:ext>
             </a:extLst>
           </p:cNvPr>
@@ -2661,7 +2661,7 @@
           <a:bodyPr/>
           <a:lstStyle/>
           <a:p>
-            <a:fld id="{F4569635-8BF9-40AA-BC21-E1EA413B9F6D}" type="datetimeFigureOut">
+            <a:fld id="{24AD60F0-F717-4F42-9867-49625FDB0DFF}" type="datetimeFigureOut">
               <a:rPr lang="zh-CN" altLang="en-US" smtClean="0"/>
               <a:t>2024/3/10</a:t>
             </a:fld>
@@ -2674,7 +2674,7 @@
           <p:cNvPr id="6" name="页脚占位符 5">
             <a:extLst>
               <a:ext uri="{FF2B5EF4-FFF2-40B4-BE49-F238E27FC236}">
-                <a16:creationId xmlns:a16="http://schemas.microsoft.com/office/drawing/2014/main" id="{6E9AEEF7-635D-F910-4FC0-46894A44AD54}"/>
+                <a16:creationId xmlns:a16="http://schemas.microsoft.com/office/drawing/2014/main" id="{E5DB6AEB-5805-1C31-D1E2-2520BE68E084}"/>
               </a:ext>
             </a:extLst>
           </p:cNvPr>
@@ -2699,7 +2699,7 @@
           <p:cNvPr id="7" name="灯片编号占位符 6">
             <a:extLst>
               <a:ext uri="{FF2B5EF4-FFF2-40B4-BE49-F238E27FC236}">
-                <a16:creationId xmlns:a16="http://schemas.microsoft.com/office/drawing/2014/main" id="{8D724B7A-4420-E268-1581-EAC822C33545}"/>
+                <a16:creationId xmlns:a16="http://schemas.microsoft.com/office/drawing/2014/main" id="{8C013E56-DB64-F8E0-6573-FB71642BE7E5}"/>
               </a:ext>
             </a:extLst>
           </p:cNvPr>
@@ -2715,7 +2715,7 @@
           <a:bodyPr/>
           <a:lstStyle/>
           <a:p>
-            <a:fld id="{0DD51CB9-68B0-4075-AED3-C5B5F763F999}" type="slidenum">
+            <a:fld id="{553E9E8C-2950-4C33-BF10-810FC79F1B3E}" type="slidenum">
               <a:rPr lang="zh-CN" altLang="en-US" smtClean="0"/>
               <a:t>‹#›</a:t>
             </a:fld>
@@ -2726,7 +2726,7 @@
     </p:spTree>
     <p:extLst>
       <p:ext uri="{BB962C8B-B14F-4D97-AF65-F5344CB8AC3E}">
-        <p14:creationId xmlns:p14="http://schemas.microsoft.com/office/powerpoint/2010/main" val="4131039607"/>
+        <p14:creationId xmlns:p14="http://schemas.microsoft.com/office/powerpoint/2010/main" val="3851292022"/>
       </p:ext>
     </p:extLst>
   </p:cSld>
@@ -2763,7 +2763,7 @@
           <p:cNvPr id="2" name="标题占位符 1">
             <a:extLst>
               <a:ext uri="{FF2B5EF4-FFF2-40B4-BE49-F238E27FC236}">
-                <a16:creationId xmlns:a16="http://schemas.microsoft.com/office/drawing/2014/main" id="{7AE4C956-172C-A03A-8559-8E978049EAA7}"/>
+                <a16:creationId xmlns:a16="http://schemas.microsoft.com/office/drawing/2014/main" id="{EF6C1A3E-ABC2-12FC-4389-CAC55844B748}"/>
               </a:ext>
             </a:extLst>
           </p:cNvPr>
@@ -2801,7 +2801,7 @@
           <p:cNvPr id="3" name="文本占位符 2">
             <a:extLst>
               <a:ext uri="{FF2B5EF4-FFF2-40B4-BE49-F238E27FC236}">
-                <a16:creationId xmlns:a16="http://schemas.microsoft.com/office/drawing/2014/main" id="{A5EB2539-70E9-8935-A9F4-CD6A889B62B8}"/>
+                <a16:creationId xmlns:a16="http://schemas.microsoft.com/office/drawing/2014/main" id="{E25851B2-CDEA-E709-CC2B-C7CDCEE85CFF}"/>
               </a:ext>
             </a:extLst>
           </p:cNvPr>
@@ -2868,7 +2868,7 @@
           <p:cNvPr id="4" name="日期占位符 3">
             <a:extLst>
               <a:ext uri="{FF2B5EF4-FFF2-40B4-BE49-F238E27FC236}">
-                <a16:creationId xmlns:a16="http://schemas.microsoft.com/office/drawing/2014/main" id="{90BF97FD-8088-1D61-E653-48B54831560A}"/>
+                <a16:creationId xmlns:a16="http://schemas.microsoft.com/office/drawing/2014/main" id="{10521883-DA7B-A929-39DE-ED726C2CA8E3}"/>
               </a:ext>
             </a:extLst>
           </p:cNvPr>
@@ -2902,7 +2902,7 @@
             </a:lvl1pPr>
           </a:lstStyle>
           <a:p>
-            <a:fld id="{F4569635-8BF9-40AA-BC21-E1EA413B9F6D}" type="datetimeFigureOut">
+            <a:fld id="{24AD60F0-F717-4F42-9867-49625FDB0DFF}" type="datetimeFigureOut">
               <a:rPr lang="zh-CN" altLang="en-US" smtClean="0"/>
               <a:t>2024/3/10</a:t>
             </a:fld>
@@ -2915,7 +2915,7 @@
           <p:cNvPr id="5" name="页脚占位符 4">
             <a:extLst>
               <a:ext uri="{FF2B5EF4-FFF2-40B4-BE49-F238E27FC236}">
-                <a16:creationId xmlns:a16="http://schemas.microsoft.com/office/drawing/2014/main" id="{A9CDFA5C-128E-88CB-05B4-C9862A336415}"/>
+                <a16:creationId xmlns:a16="http://schemas.microsoft.com/office/drawing/2014/main" id="{0221C0C4-A7C8-B5BD-94CA-A948B7BC2ABC}"/>
               </a:ext>
             </a:extLst>
           </p:cNvPr>
@@ -2958,7 +2958,7 @@
           <p:cNvPr id="6" name="灯片编号占位符 5">
             <a:extLst>
               <a:ext uri="{FF2B5EF4-FFF2-40B4-BE49-F238E27FC236}">
-                <a16:creationId xmlns:a16="http://schemas.microsoft.com/office/drawing/2014/main" id="{967F40C6-F0C1-48E6-5C30-C0EC45BED5BF}"/>
+                <a16:creationId xmlns:a16="http://schemas.microsoft.com/office/drawing/2014/main" id="{2FD38527-9C7E-2F1D-B8B8-F95EBC374744}"/>
               </a:ext>
             </a:extLst>
           </p:cNvPr>
@@ -2992,7 +2992,7 @@
             </a:lvl1pPr>
           </a:lstStyle>
           <a:p>
-            <a:fld id="{0DD51CB9-68B0-4075-AED3-C5B5F763F999}" type="slidenum">
+            <a:fld id="{553E9E8C-2950-4C33-BF10-810FC79F1B3E}" type="slidenum">
               <a:rPr lang="zh-CN" altLang="en-US" smtClean="0"/>
               <a:t>‹#›</a:t>
             </a:fld>
@@ -3003,7 +3003,7 @@
     </p:spTree>
     <p:extLst>
       <p:ext uri="{BB962C8B-B14F-4D97-AF65-F5344CB8AC3E}">
-        <p14:creationId xmlns:p14="http://schemas.microsoft.com/office/powerpoint/2010/main" val="1839786296"/>
+        <p14:creationId xmlns:p14="http://schemas.microsoft.com/office/powerpoint/2010/main" val="2410713612"/>
       </p:ext>
     </p:extLst>
   </p:cSld>
@@ -3323,7 +3323,7 @@
       </p:grpSpPr>
       <p:pic>
         <p:nvPicPr>
-          <p:cNvPr id="1136642" name="Picture 2" descr="1109"/>
+          <p:cNvPr id="1137666" name="Picture 2" descr="1110"/>
           <p:cNvPicPr>
             <a:picLocks noChangeAspect="1" noChangeArrowheads="1"/>
           </p:cNvPicPr>
